--- a/Slides/10 December.pptx
+++ b/Slides/10 December.pptx
@@ -7,14 +7,17 @@
   <p:sldIdLst>
     <p:sldId id="256" r:id="rId2"/>
     <p:sldId id="261" r:id="rId3"/>
-    <p:sldId id="280" r:id="rId4"/>
-    <p:sldId id="281" r:id="rId5"/>
-    <p:sldId id="282" r:id="rId6"/>
-    <p:sldId id="283" r:id="rId7"/>
-    <p:sldId id="284" r:id="rId8"/>
-    <p:sldId id="285" r:id="rId9"/>
-    <p:sldId id="276" r:id="rId10"/>
-    <p:sldId id="275" r:id="rId11"/>
+    <p:sldId id="287" r:id="rId4"/>
+    <p:sldId id="288" r:id="rId5"/>
+    <p:sldId id="280" r:id="rId6"/>
+    <p:sldId id="286" r:id="rId7"/>
+    <p:sldId id="281" r:id="rId8"/>
+    <p:sldId id="282" r:id="rId9"/>
+    <p:sldId id="283" r:id="rId10"/>
+    <p:sldId id="284" r:id="rId11"/>
+    <p:sldId id="285" r:id="rId12"/>
+    <p:sldId id="276" r:id="rId13"/>
+    <p:sldId id="275" r:id="rId14"/>
   </p:sldIdLst>
   <p:sldSz cx="12192000" cy="6858000"/>
   <p:notesSz cx="6858000" cy="9144000"/>
@@ -7745,652 +7748,6 @@
       </p:grpSpPr>
       <p:sp>
         <p:nvSpPr>
-          <p:cNvPr id="3" name="Content Placeholder 2">
-            <a:extLst>
-              <a:ext uri="{FF2B5EF4-FFF2-40B4-BE49-F238E27FC236}">
-                <a16:creationId xmlns:a16="http://schemas.microsoft.com/office/drawing/2014/main" id="{CC77C8B7-CB3A-ED3A-1F31-86C3FBD32EDB}"/>
-              </a:ext>
-            </a:extLst>
-          </p:cNvPr>
-          <p:cNvSpPr>
-            <a:spLocks noGrp="1"/>
-          </p:cNvSpPr>
-          <p:nvPr>
-            <p:ph idx="1"/>
-          </p:nvPr>
-        </p:nvSpPr>
-        <p:spPr>
-          <a:xfrm>
-            <a:off x="2592925" y="2920448"/>
-            <a:ext cx="5143431" cy="1017104"/>
-          </a:xfrm>
-        </p:spPr>
-        <p:txBody>
-          <a:bodyPr>
-            <a:normAutofit/>
-          </a:bodyPr>
-          <a:lstStyle/>
-          <a:p>
-            <a:r>
-              <a:rPr lang="en-US" sz="4000" dirty="0" err="1"/>
-              <a:t>Vragen</a:t>
-            </a:r>
-            <a:r>
-              <a:rPr lang="en-US" sz="4000" dirty="0"/>
-              <a:t>?</a:t>
-            </a:r>
-          </a:p>
-        </p:txBody>
-      </p:sp>
-    </p:spTree>
-    <p:extLst>
-      <p:ext uri="{BB962C8B-B14F-4D97-AF65-F5344CB8AC3E}">
-        <p14:creationId xmlns:p14="http://schemas.microsoft.com/office/powerpoint/2010/main" val="2234202922"/>
-      </p:ext>
-    </p:extLst>
-  </p:cSld>
-  <p:clrMapOvr>
-    <a:masterClrMapping/>
-  </p:clrMapOvr>
-</p:sld>
-</file>
-
-<file path=ppt/slides/slide2.xml><?xml version="1.0" encoding="utf-8"?>
-<p:sld xmlns:a="http://schemas.openxmlformats.org/drawingml/2006/main" xmlns:r="http://schemas.openxmlformats.org/officeDocument/2006/relationships" xmlns:p="http://schemas.openxmlformats.org/presentationml/2006/main">
-  <p:cSld>
-    <p:spTree>
-      <p:nvGrpSpPr>
-        <p:cNvPr id="1" name=""/>
-        <p:cNvGrpSpPr/>
-        <p:nvPr/>
-      </p:nvGrpSpPr>
-      <p:grpSpPr>
-        <a:xfrm>
-          <a:off x="0" y="0"/>
-          <a:ext cx="0" cy="0"/>
-          <a:chOff x="0" y="0"/>
-          <a:chExt cx="0" cy="0"/>
-        </a:xfrm>
-      </p:grpSpPr>
-      <p:sp>
-        <p:nvSpPr>
-          <p:cNvPr id="2" name="Title 1">
-            <a:extLst>
-              <a:ext uri="{FF2B5EF4-FFF2-40B4-BE49-F238E27FC236}">
-                <a16:creationId xmlns:a16="http://schemas.microsoft.com/office/drawing/2014/main" id="{4E76A4F7-29E9-3A83-AC69-0A620428BD92}"/>
-              </a:ext>
-            </a:extLst>
-          </p:cNvPr>
-          <p:cNvSpPr>
-            <a:spLocks noGrp="1"/>
-          </p:cNvSpPr>
-          <p:nvPr>
-            <p:ph type="title"/>
-          </p:nvPr>
-        </p:nvSpPr>
-        <p:spPr>
-          <a:xfrm>
-            <a:off x="3773734" y="394118"/>
-            <a:ext cx="5019889" cy="1280890"/>
-          </a:xfrm>
-        </p:spPr>
-        <p:txBody>
-          <a:bodyPr>
-            <a:normAutofit/>
-          </a:bodyPr>
-          <a:lstStyle/>
-          <a:p>
-            <a:r>
-              <a:rPr lang="en-US" dirty="0"/>
-              <a:t>OOP 2 - </a:t>
-            </a:r>
-            <a:r>
-              <a:rPr lang="en-US" dirty="0" err="1"/>
-              <a:t>Herhaling</a:t>
-            </a:r>
-            <a:endParaRPr lang="en-US" dirty="0"/>
-          </a:p>
-        </p:txBody>
-      </p:sp>
-      <p:sp>
-        <p:nvSpPr>
-          <p:cNvPr id="4" name="TextBox 3">
-            <a:extLst>
-              <a:ext uri="{FF2B5EF4-FFF2-40B4-BE49-F238E27FC236}">
-                <a16:creationId xmlns:a16="http://schemas.microsoft.com/office/drawing/2014/main" id="{31187C29-FAD4-FEEB-4545-88852CE99381}"/>
-              </a:ext>
-            </a:extLst>
-          </p:cNvPr>
-          <p:cNvSpPr txBox="1"/>
-          <p:nvPr/>
-        </p:nvSpPr>
-        <p:spPr>
-          <a:xfrm>
-            <a:off x="2791625" y="2050989"/>
-            <a:ext cx="6640083" cy="1200329"/>
-          </a:xfrm>
-          <a:prstGeom prst="rect">
-            <a:avLst/>
-          </a:prstGeom>
-          <a:noFill/>
-        </p:spPr>
-        <p:txBody>
-          <a:bodyPr wrap="square" rtlCol="0">
-            <a:spAutoFit/>
-          </a:bodyPr>
-          <a:lstStyle/>
-          <a:p>
-            <a:r>
-              <a:rPr lang="en-US" dirty="0"/>
-              <a:t>-   Frontend vs Backend ?</a:t>
-            </a:r>
-          </a:p>
-          <a:p>
-            <a:pPr marL="285750" indent="-285750">
-              <a:buFontTx/>
-              <a:buChar char="-"/>
-            </a:pPr>
-            <a:r>
-              <a:rPr lang="en-US" dirty="0"/>
-              <a:t>Frontend vs Backend Technologies?</a:t>
-            </a:r>
-          </a:p>
-          <a:p>
-            <a:pPr marL="285750" indent="-285750">
-              <a:buFontTx/>
-              <a:buChar char="-"/>
-            </a:pPr>
-            <a:r>
-              <a:rPr lang="en-US" dirty="0"/>
-              <a:t>Full Stack Developers?</a:t>
-            </a:r>
-          </a:p>
-          <a:p>
-            <a:r>
-              <a:rPr lang="en-US" dirty="0"/>
-              <a:t>-   API &amp; Endpoints?</a:t>
-            </a:r>
-          </a:p>
-        </p:txBody>
-      </p:sp>
-    </p:spTree>
-    <p:extLst>
-      <p:ext uri="{BB962C8B-B14F-4D97-AF65-F5344CB8AC3E}">
-        <p14:creationId xmlns:p14="http://schemas.microsoft.com/office/powerpoint/2010/main" val="2666246493"/>
-      </p:ext>
-    </p:extLst>
-  </p:cSld>
-  <p:clrMapOvr>
-    <a:masterClrMapping/>
-  </p:clrMapOvr>
-</p:sld>
-</file>
-
-<file path=ppt/slides/slide3.xml><?xml version="1.0" encoding="utf-8"?>
-<p:sld xmlns:a="http://schemas.openxmlformats.org/drawingml/2006/main" xmlns:r="http://schemas.openxmlformats.org/officeDocument/2006/relationships" xmlns:p="http://schemas.openxmlformats.org/presentationml/2006/main">
-  <p:cSld>
-    <p:spTree>
-      <p:nvGrpSpPr>
-        <p:cNvPr id="1" name=""/>
-        <p:cNvGrpSpPr/>
-        <p:nvPr/>
-      </p:nvGrpSpPr>
-      <p:grpSpPr>
-        <a:xfrm>
-          <a:off x="0" y="0"/>
-          <a:ext cx="0" cy="0"/>
-          <a:chOff x="0" y="0"/>
-          <a:chExt cx="0" cy="0"/>
-        </a:xfrm>
-      </p:grpSpPr>
-      <p:sp>
-        <p:nvSpPr>
-          <p:cNvPr id="2" name="Title 1">
-            <a:extLst>
-              <a:ext uri="{FF2B5EF4-FFF2-40B4-BE49-F238E27FC236}">
-                <a16:creationId xmlns:a16="http://schemas.microsoft.com/office/drawing/2014/main" id="{4E76A4F7-29E9-3A83-AC69-0A620428BD92}"/>
-              </a:ext>
-            </a:extLst>
-          </p:cNvPr>
-          <p:cNvSpPr>
-            <a:spLocks noGrp="1"/>
-          </p:cNvSpPr>
-          <p:nvPr>
-            <p:ph type="title"/>
-          </p:nvPr>
-        </p:nvSpPr>
-        <p:spPr>
-          <a:xfrm>
-            <a:off x="2523066" y="324756"/>
-            <a:ext cx="9169401" cy="1280890"/>
-          </a:xfrm>
-        </p:spPr>
-        <p:txBody>
-          <a:bodyPr/>
-          <a:lstStyle/>
-          <a:p>
-            <a:r>
-              <a:rPr lang="en-US" dirty="0"/>
-              <a:t>Types of API’s</a:t>
-            </a:r>
-          </a:p>
-        </p:txBody>
-      </p:sp>
-      <p:pic>
-        <p:nvPicPr>
-          <p:cNvPr id="1028" name="Picture 4" descr="REST vs GraphQL vs gRPC. In-depth comparison of the 3 most… | by Chameera  Dulanga | Bits and Pieces">
-            <a:extLst>
-              <a:ext uri="{FF2B5EF4-FFF2-40B4-BE49-F238E27FC236}">
-                <a16:creationId xmlns:a16="http://schemas.microsoft.com/office/drawing/2014/main" id="{D0D7582B-C397-BFF2-01CB-E5D0F257F1B0}"/>
-              </a:ext>
-            </a:extLst>
-          </p:cNvPr>
-          <p:cNvPicPr>
-            <a:picLocks noChangeAspect="1" noChangeArrowheads="1"/>
-          </p:cNvPicPr>
-          <p:nvPr/>
-        </p:nvPicPr>
-        <p:blipFill>
-          <a:blip r:embed="rId2">
-            <a:extLst>
-              <a:ext uri="{28A0092B-C50C-407E-A947-70E740481C1C}">
-                <a14:useLocalDpi xmlns:a14="http://schemas.microsoft.com/office/drawing/2010/main" val="0"/>
-              </a:ext>
-            </a:extLst>
-          </a:blip>
-          <a:srcRect/>
-          <a:stretch>
-            <a:fillRect/>
-          </a:stretch>
-        </p:blipFill>
-        <p:spPr bwMode="auto">
-          <a:xfrm>
-            <a:off x="2523066" y="1238549"/>
-            <a:ext cx="8184222" cy="4910533"/>
-          </a:xfrm>
-          <a:prstGeom prst="rect">
-            <a:avLst/>
-          </a:prstGeom>
-          <a:noFill/>
-          <a:extLst>
-            <a:ext uri="{909E8E84-426E-40DD-AFC4-6F175D3DCCD1}">
-              <a14:hiddenFill xmlns:a14="http://schemas.microsoft.com/office/drawing/2010/main">
-                <a:solidFill>
-                  <a:srgbClr val="FFFFFF"/>
-                </a:solidFill>
-              </a14:hiddenFill>
-            </a:ext>
-          </a:extLst>
-        </p:spPr>
-      </p:pic>
-    </p:spTree>
-    <p:extLst>
-      <p:ext uri="{BB962C8B-B14F-4D97-AF65-F5344CB8AC3E}">
-        <p14:creationId xmlns:p14="http://schemas.microsoft.com/office/powerpoint/2010/main" val="3755696890"/>
-      </p:ext>
-    </p:extLst>
-  </p:cSld>
-  <p:clrMapOvr>
-    <a:masterClrMapping/>
-  </p:clrMapOvr>
-</p:sld>
-</file>
-
-<file path=ppt/slides/slide4.xml><?xml version="1.0" encoding="utf-8"?>
-<p:sld xmlns:a="http://schemas.openxmlformats.org/drawingml/2006/main" xmlns:r="http://schemas.openxmlformats.org/officeDocument/2006/relationships" xmlns:p="http://schemas.openxmlformats.org/presentationml/2006/main">
-  <p:cSld>
-    <p:spTree>
-      <p:nvGrpSpPr>
-        <p:cNvPr id="1" name=""/>
-        <p:cNvGrpSpPr/>
-        <p:nvPr/>
-      </p:nvGrpSpPr>
-      <p:grpSpPr>
-        <a:xfrm>
-          <a:off x="0" y="0"/>
-          <a:ext cx="0" cy="0"/>
-          <a:chOff x="0" y="0"/>
-          <a:chExt cx="0" cy="0"/>
-        </a:xfrm>
-      </p:grpSpPr>
-      <p:sp>
-        <p:nvSpPr>
-          <p:cNvPr id="2" name="Title 1">
-            <a:extLst>
-              <a:ext uri="{FF2B5EF4-FFF2-40B4-BE49-F238E27FC236}">
-                <a16:creationId xmlns:a16="http://schemas.microsoft.com/office/drawing/2014/main" id="{4E76A4F7-29E9-3A83-AC69-0A620428BD92}"/>
-              </a:ext>
-            </a:extLst>
-          </p:cNvPr>
-          <p:cNvSpPr>
-            <a:spLocks noGrp="1"/>
-          </p:cNvSpPr>
-          <p:nvPr>
-            <p:ph type="title"/>
-          </p:nvPr>
-        </p:nvSpPr>
-        <p:spPr>
-          <a:xfrm>
-            <a:off x="2523066" y="324756"/>
-            <a:ext cx="9169401" cy="1280890"/>
-          </a:xfrm>
-        </p:spPr>
-        <p:txBody>
-          <a:bodyPr>
-            <a:normAutofit/>
-          </a:bodyPr>
-          <a:lstStyle/>
-          <a:p>
-            <a:r>
-              <a:rPr lang="en-US" sz="2800" dirty="0"/>
-              <a:t>Languages used</a:t>
-            </a:r>
-          </a:p>
-        </p:txBody>
-      </p:sp>
-      <p:pic>
-        <p:nvPicPr>
-          <p:cNvPr id="2050" name="Picture 2" descr="What Is the Difference Between JSON and XML? | Nordic APIs |">
-            <a:extLst>
-              <a:ext uri="{FF2B5EF4-FFF2-40B4-BE49-F238E27FC236}">
-                <a16:creationId xmlns:a16="http://schemas.microsoft.com/office/drawing/2014/main" id="{8E6BA52C-F608-47CB-3313-1CEA1551079E}"/>
-              </a:ext>
-            </a:extLst>
-          </p:cNvPr>
-          <p:cNvPicPr>
-            <a:picLocks noChangeAspect="1" noChangeArrowheads="1"/>
-          </p:cNvPicPr>
-          <p:nvPr/>
-        </p:nvPicPr>
-        <p:blipFill>
-          <a:blip r:embed="rId2">
-            <a:extLst>
-              <a:ext uri="{28A0092B-C50C-407E-A947-70E740481C1C}">
-                <a14:useLocalDpi xmlns:a14="http://schemas.microsoft.com/office/drawing/2010/main" val="0"/>
-              </a:ext>
-            </a:extLst>
-          </a:blip>
-          <a:srcRect/>
-          <a:stretch>
-            <a:fillRect/>
-          </a:stretch>
-        </p:blipFill>
-        <p:spPr bwMode="auto">
-          <a:xfrm>
-            <a:off x="2572916" y="1335641"/>
-            <a:ext cx="7096018" cy="3991510"/>
-          </a:xfrm>
-          <a:prstGeom prst="rect">
-            <a:avLst/>
-          </a:prstGeom>
-          <a:noFill/>
-          <a:extLst>
-            <a:ext uri="{909E8E84-426E-40DD-AFC4-6F175D3DCCD1}">
-              <a14:hiddenFill xmlns:a14="http://schemas.microsoft.com/office/drawing/2010/main">
-                <a:solidFill>
-                  <a:srgbClr val="FFFFFF"/>
-                </a:solidFill>
-              </a14:hiddenFill>
-            </a:ext>
-          </a:extLst>
-        </p:spPr>
-      </p:pic>
-    </p:spTree>
-    <p:extLst>
-      <p:ext uri="{BB962C8B-B14F-4D97-AF65-F5344CB8AC3E}">
-        <p14:creationId xmlns:p14="http://schemas.microsoft.com/office/powerpoint/2010/main" val="3611465386"/>
-      </p:ext>
-    </p:extLst>
-  </p:cSld>
-  <p:clrMapOvr>
-    <a:masterClrMapping/>
-  </p:clrMapOvr>
-</p:sld>
-</file>
-
-<file path=ppt/slides/slide5.xml><?xml version="1.0" encoding="utf-8"?>
-<p:sld xmlns:a="http://schemas.openxmlformats.org/drawingml/2006/main" xmlns:r="http://schemas.openxmlformats.org/officeDocument/2006/relationships" xmlns:p="http://schemas.openxmlformats.org/presentationml/2006/main">
-  <p:cSld>
-    <p:spTree>
-      <p:nvGrpSpPr>
-        <p:cNvPr id="1" name=""/>
-        <p:cNvGrpSpPr/>
-        <p:nvPr/>
-      </p:nvGrpSpPr>
-      <p:grpSpPr>
-        <a:xfrm>
-          <a:off x="0" y="0"/>
-          <a:ext cx="0" cy="0"/>
-          <a:chOff x="0" y="0"/>
-          <a:chExt cx="0" cy="0"/>
-        </a:xfrm>
-      </p:grpSpPr>
-      <p:sp>
-        <p:nvSpPr>
-          <p:cNvPr id="2" name="Title 1">
-            <a:extLst>
-              <a:ext uri="{FF2B5EF4-FFF2-40B4-BE49-F238E27FC236}">
-                <a16:creationId xmlns:a16="http://schemas.microsoft.com/office/drawing/2014/main" id="{4E76A4F7-29E9-3A83-AC69-0A620428BD92}"/>
-              </a:ext>
-            </a:extLst>
-          </p:cNvPr>
-          <p:cNvSpPr>
-            <a:spLocks noGrp="1"/>
-          </p:cNvSpPr>
-          <p:nvPr>
-            <p:ph type="title"/>
-          </p:nvPr>
-        </p:nvSpPr>
-        <p:spPr>
-          <a:xfrm>
-            <a:off x="5219556" y="413872"/>
-            <a:ext cx="4304588" cy="869044"/>
-          </a:xfrm>
-        </p:spPr>
-        <p:txBody>
-          <a:bodyPr>
-            <a:normAutofit/>
-          </a:bodyPr>
-          <a:lstStyle/>
-          <a:p>
-            <a:r>
-              <a:rPr lang="en-US" sz="2800" dirty="0"/>
-              <a:t>Example</a:t>
-            </a:r>
-          </a:p>
-        </p:txBody>
-      </p:sp>
-      <p:pic>
-        <p:nvPicPr>
-          <p:cNvPr id="3074" name="Picture 2" descr="What is the difference between HTML vs XML vs JSON? | by Omar A | Medium">
-            <a:extLst>
-              <a:ext uri="{FF2B5EF4-FFF2-40B4-BE49-F238E27FC236}">
-                <a16:creationId xmlns:a16="http://schemas.microsoft.com/office/drawing/2014/main" id="{F510529A-5300-CCB5-D4C6-C667EEDE2EA4}"/>
-              </a:ext>
-            </a:extLst>
-          </p:cNvPr>
-          <p:cNvPicPr>
-            <a:picLocks noChangeAspect="1" noChangeArrowheads="1"/>
-          </p:cNvPicPr>
-          <p:nvPr/>
-        </p:nvPicPr>
-        <p:blipFill>
-          <a:blip r:embed="rId2">
-            <a:extLst>
-              <a:ext uri="{28A0092B-C50C-407E-A947-70E740481C1C}">
-                <a14:useLocalDpi xmlns:a14="http://schemas.microsoft.com/office/drawing/2010/main" val="0"/>
-              </a:ext>
-            </a:extLst>
-          </a:blip>
-          <a:srcRect/>
-          <a:stretch>
-            <a:fillRect/>
-          </a:stretch>
-        </p:blipFill>
-        <p:spPr bwMode="auto">
-          <a:xfrm>
-            <a:off x="3051424" y="1253618"/>
-            <a:ext cx="7070475" cy="5051932"/>
-          </a:xfrm>
-          <a:prstGeom prst="rect">
-            <a:avLst/>
-          </a:prstGeom>
-          <a:noFill/>
-          <a:extLst>
-            <a:ext uri="{909E8E84-426E-40DD-AFC4-6F175D3DCCD1}">
-              <a14:hiddenFill xmlns:a14="http://schemas.microsoft.com/office/drawing/2010/main">
-                <a:solidFill>
-                  <a:srgbClr val="FFFFFF"/>
-                </a:solidFill>
-              </a14:hiddenFill>
-            </a:ext>
-          </a:extLst>
-        </p:spPr>
-      </p:pic>
-    </p:spTree>
-    <p:extLst>
-      <p:ext uri="{BB962C8B-B14F-4D97-AF65-F5344CB8AC3E}">
-        <p14:creationId xmlns:p14="http://schemas.microsoft.com/office/powerpoint/2010/main" val="3112226514"/>
-      </p:ext>
-    </p:extLst>
-  </p:cSld>
-  <p:clrMapOvr>
-    <a:masterClrMapping/>
-  </p:clrMapOvr>
-</p:sld>
-</file>
-
-<file path=ppt/slides/slide6.xml><?xml version="1.0" encoding="utf-8"?>
-<p:sld xmlns:a="http://schemas.openxmlformats.org/drawingml/2006/main" xmlns:r="http://schemas.openxmlformats.org/officeDocument/2006/relationships" xmlns:p="http://schemas.openxmlformats.org/presentationml/2006/main">
-  <p:cSld>
-    <p:spTree>
-      <p:nvGrpSpPr>
-        <p:cNvPr id="1" name=""/>
-        <p:cNvGrpSpPr/>
-        <p:nvPr/>
-      </p:nvGrpSpPr>
-      <p:grpSpPr>
-        <a:xfrm>
-          <a:off x="0" y="0"/>
-          <a:ext cx="0" cy="0"/>
-          <a:chOff x="0" y="0"/>
-          <a:chExt cx="0" cy="0"/>
-        </a:xfrm>
-      </p:grpSpPr>
-      <p:sp>
-        <p:nvSpPr>
-          <p:cNvPr id="2" name="Title 1">
-            <a:extLst>
-              <a:ext uri="{FF2B5EF4-FFF2-40B4-BE49-F238E27FC236}">
-                <a16:creationId xmlns:a16="http://schemas.microsoft.com/office/drawing/2014/main" id="{4E76A4F7-29E9-3A83-AC69-0A620428BD92}"/>
-              </a:ext>
-            </a:extLst>
-          </p:cNvPr>
-          <p:cNvSpPr>
-            <a:spLocks noGrp="1"/>
-          </p:cNvSpPr>
-          <p:nvPr>
-            <p:ph type="title"/>
-          </p:nvPr>
-        </p:nvSpPr>
-        <p:spPr>
-          <a:xfrm>
-            <a:off x="5624626" y="403598"/>
-            <a:ext cx="2396068" cy="869044"/>
-          </a:xfrm>
-        </p:spPr>
-        <p:txBody>
-          <a:bodyPr>
-            <a:normAutofit/>
-          </a:bodyPr>
-          <a:lstStyle/>
-          <a:p>
-            <a:r>
-              <a:rPr lang="en-US" sz="2800" dirty="0"/>
-              <a:t>CRUD</a:t>
-            </a:r>
-          </a:p>
-        </p:txBody>
-      </p:sp>
-      <p:pic>
-        <p:nvPicPr>
-          <p:cNvPr id="4098" name="Picture 2" descr="CRUD: Definition, Operations, Benefits How it Works and More">
-            <a:extLst>
-              <a:ext uri="{FF2B5EF4-FFF2-40B4-BE49-F238E27FC236}">
-                <a16:creationId xmlns:a16="http://schemas.microsoft.com/office/drawing/2014/main" id="{9CE4D13C-F1A8-653D-0763-0DF8B7CBA09C}"/>
-              </a:ext>
-            </a:extLst>
-          </p:cNvPr>
-          <p:cNvPicPr>
-            <a:picLocks noChangeAspect="1" noChangeArrowheads="1"/>
-          </p:cNvPicPr>
-          <p:nvPr/>
-        </p:nvPicPr>
-        <p:blipFill>
-          <a:blip r:embed="rId2">
-            <a:extLst>
-              <a:ext uri="{28A0092B-C50C-407E-A947-70E740481C1C}">
-                <a14:useLocalDpi xmlns:a14="http://schemas.microsoft.com/office/drawing/2010/main" val="0"/>
-              </a:ext>
-            </a:extLst>
-          </a:blip>
-          <a:srcRect/>
-          <a:stretch>
-            <a:fillRect/>
-          </a:stretch>
-        </p:blipFill>
-        <p:spPr bwMode="auto">
-          <a:xfrm>
-            <a:off x="2178121" y="1547116"/>
-            <a:ext cx="8606319" cy="4303160"/>
-          </a:xfrm>
-          <a:prstGeom prst="rect">
-            <a:avLst/>
-          </a:prstGeom>
-          <a:noFill/>
-          <a:extLst>
-            <a:ext uri="{909E8E84-426E-40DD-AFC4-6F175D3DCCD1}">
-              <a14:hiddenFill xmlns:a14="http://schemas.microsoft.com/office/drawing/2010/main">
-                <a:solidFill>
-                  <a:srgbClr val="FFFFFF"/>
-                </a:solidFill>
-              </a14:hiddenFill>
-            </a:ext>
-          </a:extLst>
-        </p:spPr>
-      </p:pic>
-    </p:spTree>
-    <p:extLst>
-      <p:ext uri="{BB962C8B-B14F-4D97-AF65-F5344CB8AC3E}">
-        <p14:creationId xmlns:p14="http://schemas.microsoft.com/office/powerpoint/2010/main" val="634918933"/>
-      </p:ext>
-    </p:extLst>
-  </p:cSld>
-  <p:clrMapOvr>
-    <a:masterClrMapping/>
-  </p:clrMapOvr>
-</p:sld>
-</file>
-
-<file path=ppt/slides/slide7.xml><?xml version="1.0" encoding="utf-8"?>
-<p:sld xmlns:a="http://schemas.openxmlformats.org/drawingml/2006/main" xmlns:r="http://schemas.openxmlformats.org/officeDocument/2006/relationships" xmlns:p="http://schemas.openxmlformats.org/presentationml/2006/main">
-  <p:cSld>
-    <p:spTree>
-      <p:nvGrpSpPr>
-        <p:cNvPr id="1" name=""/>
-        <p:cNvGrpSpPr/>
-        <p:nvPr/>
-      </p:nvGrpSpPr>
-      <p:grpSpPr>
-        <a:xfrm>
-          <a:off x="0" y="0"/>
-          <a:ext cx="0" cy="0"/>
-          <a:chOff x="0" y="0"/>
-          <a:chExt cx="0" cy="0"/>
-        </a:xfrm>
-      </p:grpSpPr>
-      <p:sp>
-        <p:nvSpPr>
           <p:cNvPr id="2" name="Title 1">
             <a:extLst>
               <a:ext uri="{FF2B5EF4-FFF2-40B4-BE49-F238E27FC236}">
@@ -8531,7 +7888,7 @@
 </p:sld>
 </file>
 
-<file path=ppt/slides/slide8.xml><?xml version="1.0" encoding="utf-8"?>
+<file path=ppt/slides/slide11.xml><?xml version="1.0" encoding="utf-8"?>
 <p:sld xmlns:a="http://schemas.openxmlformats.org/drawingml/2006/main" xmlns:r="http://schemas.openxmlformats.org/officeDocument/2006/relationships" xmlns:p="http://schemas.openxmlformats.org/presentationml/2006/main">
   <p:cSld>
     <p:spTree>
@@ -8643,6 +8000,987 @@
 </p:sld>
 </file>
 
+<file path=ppt/slides/slide12.xml><?xml version="1.0" encoding="utf-8"?>
+<p:sld xmlns:a="http://schemas.openxmlformats.org/drawingml/2006/main" xmlns:r="http://schemas.openxmlformats.org/officeDocument/2006/relationships" xmlns:p="http://schemas.openxmlformats.org/presentationml/2006/main">
+  <p:cSld>
+    <p:spTree>
+      <p:nvGrpSpPr>
+        <p:cNvPr id="1" name=""/>
+        <p:cNvGrpSpPr/>
+        <p:nvPr/>
+      </p:nvGrpSpPr>
+      <p:grpSpPr>
+        <a:xfrm>
+          <a:off x="0" y="0"/>
+          <a:ext cx="0" cy="0"/>
+          <a:chOff x="0" y="0"/>
+          <a:chExt cx="0" cy="0"/>
+        </a:xfrm>
+      </p:grpSpPr>
+      <p:sp>
+        <p:nvSpPr>
+          <p:cNvPr id="2" name="Title 1">
+            <a:extLst>
+              <a:ext uri="{FF2B5EF4-FFF2-40B4-BE49-F238E27FC236}">
+                <a16:creationId xmlns:a16="http://schemas.microsoft.com/office/drawing/2014/main" id="{4E76A4F7-29E9-3A83-AC69-0A620428BD92}"/>
+              </a:ext>
+            </a:extLst>
+          </p:cNvPr>
+          <p:cNvSpPr>
+            <a:spLocks noGrp="1"/>
+          </p:cNvSpPr>
+          <p:nvPr>
+            <p:ph type="title"/>
+          </p:nvPr>
+        </p:nvSpPr>
+        <p:spPr>
+          <a:xfrm>
+            <a:off x="5005642" y="400664"/>
+            <a:ext cx="3432679" cy="747489"/>
+          </a:xfrm>
+        </p:spPr>
+        <p:txBody>
+          <a:bodyPr>
+            <a:normAutofit/>
+          </a:bodyPr>
+          <a:lstStyle/>
+          <a:p>
+            <a:r>
+              <a:rPr lang="en-US" dirty="0"/>
+              <a:t>Spring </a:t>
+            </a:r>
+            <a:r>
+              <a:rPr lang="en-US" dirty="0" err="1"/>
+              <a:t>Initialzr</a:t>
+            </a:r>
+            <a:endParaRPr lang="en-US" dirty="0"/>
+          </a:p>
+        </p:txBody>
+      </p:sp>
+      <p:sp>
+        <p:nvSpPr>
+          <p:cNvPr id="3" name="TextBox 2">
+            <a:extLst>
+              <a:ext uri="{FF2B5EF4-FFF2-40B4-BE49-F238E27FC236}">
+                <a16:creationId xmlns:a16="http://schemas.microsoft.com/office/drawing/2014/main" id="{50A6C10B-37C8-6981-A48F-A72964E64673}"/>
+              </a:ext>
+            </a:extLst>
+          </p:cNvPr>
+          <p:cNvSpPr txBox="1"/>
+          <p:nvPr/>
+        </p:nvSpPr>
+        <p:spPr>
+          <a:xfrm>
+            <a:off x="2812774" y="1868557"/>
+            <a:ext cx="6708913" cy="1200329"/>
+          </a:xfrm>
+          <a:prstGeom prst="rect">
+            <a:avLst/>
+          </a:prstGeom>
+          <a:noFill/>
+        </p:spPr>
+        <p:txBody>
+          <a:bodyPr wrap="square" rtlCol="0">
+            <a:spAutoFit/>
+          </a:bodyPr>
+          <a:lstStyle/>
+          <a:p>
+            <a:pPr marL="285750" indent="-285750">
+              <a:buFontTx/>
+              <a:buChar char="-"/>
+            </a:pPr>
+            <a:r>
+              <a:rPr lang="en-US" dirty="0"/>
+              <a:t>Spring Web</a:t>
+            </a:r>
+          </a:p>
+          <a:p>
+            <a:pPr marL="285750" indent="-285750">
+              <a:buFontTx/>
+              <a:buChar char="-"/>
+            </a:pPr>
+            <a:r>
+              <a:rPr lang="en-US" dirty="0"/>
+              <a:t>Spring Data JPA</a:t>
+            </a:r>
+          </a:p>
+          <a:p>
+            <a:pPr marL="285750" indent="-285750">
+              <a:buFontTx/>
+              <a:buChar char="-"/>
+            </a:pPr>
+            <a:r>
+              <a:rPr lang="en-US" dirty="0"/>
+              <a:t>H2 Database</a:t>
+            </a:r>
+          </a:p>
+          <a:p>
+            <a:endParaRPr lang="en-US" dirty="0"/>
+          </a:p>
+        </p:txBody>
+      </p:sp>
+    </p:spTree>
+    <p:extLst>
+      <p:ext uri="{BB962C8B-B14F-4D97-AF65-F5344CB8AC3E}">
+        <p14:creationId xmlns:p14="http://schemas.microsoft.com/office/powerpoint/2010/main" val="3572149793"/>
+      </p:ext>
+    </p:extLst>
+  </p:cSld>
+  <p:clrMapOvr>
+    <a:masterClrMapping/>
+  </p:clrMapOvr>
+</p:sld>
+</file>
+
+<file path=ppt/slides/slide13.xml><?xml version="1.0" encoding="utf-8"?>
+<p:sld xmlns:a="http://schemas.openxmlformats.org/drawingml/2006/main" xmlns:r="http://schemas.openxmlformats.org/officeDocument/2006/relationships" xmlns:p="http://schemas.openxmlformats.org/presentationml/2006/main">
+  <p:cSld>
+    <p:spTree>
+      <p:nvGrpSpPr>
+        <p:cNvPr id="1" name=""/>
+        <p:cNvGrpSpPr/>
+        <p:nvPr/>
+      </p:nvGrpSpPr>
+      <p:grpSpPr>
+        <a:xfrm>
+          <a:off x="0" y="0"/>
+          <a:ext cx="0" cy="0"/>
+          <a:chOff x="0" y="0"/>
+          <a:chExt cx="0" cy="0"/>
+        </a:xfrm>
+      </p:grpSpPr>
+      <p:sp>
+        <p:nvSpPr>
+          <p:cNvPr id="3" name="Content Placeholder 2">
+            <a:extLst>
+              <a:ext uri="{FF2B5EF4-FFF2-40B4-BE49-F238E27FC236}">
+                <a16:creationId xmlns:a16="http://schemas.microsoft.com/office/drawing/2014/main" id="{CC77C8B7-CB3A-ED3A-1F31-86C3FBD32EDB}"/>
+              </a:ext>
+            </a:extLst>
+          </p:cNvPr>
+          <p:cNvSpPr>
+            <a:spLocks noGrp="1"/>
+          </p:cNvSpPr>
+          <p:nvPr>
+            <p:ph idx="1"/>
+          </p:nvPr>
+        </p:nvSpPr>
+        <p:spPr>
+          <a:xfrm>
+            <a:off x="2592925" y="2920448"/>
+            <a:ext cx="5143431" cy="1017104"/>
+          </a:xfrm>
+        </p:spPr>
+        <p:txBody>
+          <a:bodyPr>
+            <a:normAutofit/>
+          </a:bodyPr>
+          <a:lstStyle/>
+          <a:p>
+            <a:r>
+              <a:rPr lang="en-US" sz="4000" dirty="0" err="1"/>
+              <a:t>Vragen</a:t>
+            </a:r>
+            <a:r>
+              <a:rPr lang="en-US" sz="4000" dirty="0"/>
+              <a:t>?</a:t>
+            </a:r>
+          </a:p>
+        </p:txBody>
+      </p:sp>
+    </p:spTree>
+    <p:extLst>
+      <p:ext uri="{BB962C8B-B14F-4D97-AF65-F5344CB8AC3E}">
+        <p14:creationId xmlns:p14="http://schemas.microsoft.com/office/powerpoint/2010/main" val="2234202922"/>
+      </p:ext>
+    </p:extLst>
+  </p:cSld>
+  <p:clrMapOvr>
+    <a:masterClrMapping/>
+  </p:clrMapOvr>
+</p:sld>
+</file>
+
+<file path=ppt/slides/slide2.xml><?xml version="1.0" encoding="utf-8"?>
+<p:sld xmlns:a="http://schemas.openxmlformats.org/drawingml/2006/main" xmlns:r="http://schemas.openxmlformats.org/officeDocument/2006/relationships" xmlns:p="http://schemas.openxmlformats.org/presentationml/2006/main">
+  <p:cSld>
+    <p:spTree>
+      <p:nvGrpSpPr>
+        <p:cNvPr id="1" name=""/>
+        <p:cNvGrpSpPr/>
+        <p:nvPr/>
+      </p:nvGrpSpPr>
+      <p:grpSpPr>
+        <a:xfrm>
+          <a:off x="0" y="0"/>
+          <a:ext cx="0" cy="0"/>
+          <a:chOff x="0" y="0"/>
+          <a:chExt cx="0" cy="0"/>
+        </a:xfrm>
+      </p:grpSpPr>
+      <p:sp>
+        <p:nvSpPr>
+          <p:cNvPr id="2" name="Title 1">
+            <a:extLst>
+              <a:ext uri="{FF2B5EF4-FFF2-40B4-BE49-F238E27FC236}">
+                <a16:creationId xmlns:a16="http://schemas.microsoft.com/office/drawing/2014/main" id="{4E76A4F7-29E9-3A83-AC69-0A620428BD92}"/>
+              </a:ext>
+            </a:extLst>
+          </p:cNvPr>
+          <p:cNvSpPr>
+            <a:spLocks noGrp="1"/>
+          </p:cNvSpPr>
+          <p:nvPr>
+            <p:ph type="title"/>
+          </p:nvPr>
+        </p:nvSpPr>
+        <p:spPr>
+          <a:xfrm>
+            <a:off x="3773734" y="394118"/>
+            <a:ext cx="5019889" cy="1280890"/>
+          </a:xfrm>
+        </p:spPr>
+        <p:txBody>
+          <a:bodyPr>
+            <a:normAutofit/>
+          </a:bodyPr>
+          <a:lstStyle/>
+          <a:p>
+            <a:r>
+              <a:rPr lang="en-US" dirty="0"/>
+              <a:t>Frontend vs Backend</a:t>
+            </a:r>
+          </a:p>
+        </p:txBody>
+      </p:sp>
+      <p:pic>
+        <p:nvPicPr>
+          <p:cNvPr id="3074" name="Picture 2" descr="What's the difference between Front-end and Back-end development? - DEV  Community">
+            <a:extLst>
+              <a:ext uri="{FF2B5EF4-FFF2-40B4-BE49-F238E27FC236}">
+                <a16:creationId xmlns:a16="http://schemas.microsoft.com/office/drawing/2014/main" id="{FD7E8EE9-A36B-FB96-B11C-CEC69E4D37B8}"/>
+              </a:ext>
+            </a:extLst>
+          </p:cNvPr>
+          <p:cNvPicPr>
+            <a:picLocks noChangeAspect="1" noChangeArrowheads="1"/>
+          </p:cNvPicPr>
+          <p:nvPr/>
+        </p:nvPicPr>
+        <p:blipFill>
+          <a:blip r:embed="rId2">
+            <a:extLst>
+              <a:ext uri="{28A0092B-C50C-407E-A947-70E740481C1C}">
+                <a14:useLocalDpi xmlns:a14="http://schemas.microsoft.com/office/drawing/2010/main" val="0"/>
+              </a:ext>
+            </a:extLst>
+          </a:blip>
+          <a:srcRect/>
+          <a:stretch>
+            <a:fillRect/>
+          </a:stretch>
+        </p:blipFill>
+        <p:spPr bwMode="auto">
+          <a:xfrm>
+            <a:off x="2507002" y="1416441"/>
+            <a:ext cx="8050234" cy="4025117"/>
+          </a:xfrm>
+          <a:prstGeom prst="rect">
+            <a:avLst/>
+          </a:prstGeom>
+          <a:noFill/>
+          <a:extLst>
+            <a:ext uri="{909E8E84-426E-40DD-AFC4-6F175D3DCCD1}">
+              <a14:hiddenFill xmlns:a14="http://schemas.microsoft.com/office/drawing/2010/main">
+                <a:solidFill>
+                  <a:srgbClr val="FFFFFF"/>
+                </a:solidFill>
+              </a14:hiddenFill>
+            </a:ext>
+          </a:extLst>
+        </p:spPr>
+      </p:pic>
+    </p:spTree>
+    <p:extLst>
+      <p:ext uri="{BB962C8B-B14F-4D97-AF65-F5344CB8AC3E}">
+        <p14:creationId xmlns:p14="http://schemas.microsoft.com/office/powerpoint/2010/main" val="2666246493"/>
+      </p:ext>
+    </p:extLst>
+  </p:cSld>
+  <p:clrMapOvr>
+    <a:masterClrMapping/>
+  </p:clrMapOvr>
+</p:sld>
+</file>
+
+<file path=ppt/slides/slide3.xml><?xml version="1.0" encoding="utf-8"?>
+<p:sld xmlns:a="http://schemas.openxmlformats.org/drawingml/2006/main" xmlns:r="http://schemas.openxmlformats.org/officeDocument/2006/relationships" xmlns:p="http://schemas.openxmlformats.org/presentationml/2006/main">
+  <p:cSld>
+    <p:spTree>
+      <p:nvGrpSpPr>
+        <p:cNvPr id="1" name=""/>
+        <p:cNvGrpSpPr/>
+        <p:nvPr/>
+      </p:nvGrpSpPr>
+      <p:grpSpPr>
+        <a:xfrm>
+          <a:off x="0" y="0"/>
+          <a:ext cx="0" cy="0"/>
+          <a:chOff x="0" y="0"/>
+          <a:chExt cx="0" cy="0"/>
+        </a:xfrm>
+      </p:grpSpPr>
+      <p:sp>
+        <p:nvSpPr>
+          <p:cNvPr id="2" name="Title 1">
+            <a:extLst>
+              <a:ext uri="{FF2B5EF4-FFF2-40B4-BE49-F238E27FC236}">
+                <a16:creationId xmlns:a16="http://schemas.microsoft.com/office/drawing/2014/main" id="{51D8ABC4-397C-D7B1-9FE1-EE1D9172E4DE}"/>
+              </a:ext>
+            </a:extLst>
+          </p:cNvPr>
+          <p:cNvSpPr>
+            <a:spLocks noGrp="1"/>
+          </p:cNvSpPr>
+          <p:nvPr>
+            <p:ph type="title"/>
+          </p:nvPr>
+        </p:nvSpPr>
+        <p:spPr/>
+        <p:txBody>
+          <a:bodyPr/>
+          <a:lstStyle/>
+          <a:p>
+            <a:r>
+              <a:rPr lang="en-US" dirty="0"/>
+              <a:t>What is an API</a:t>
+            </a:r>
+          </a:p>
+        </p:txBody>
+      </p:sp>
+      <p:sp>
+        <p:nvSpPr>
+          <p:cNvPr id="4" name="Content Placeholder 3">
+            <a:extLst>
+              <a:ext uri="{FF2B5EF4-FFF2-40B4-BE49-F238E27FC236}">
+                <a16:creationId xmlns:a16="http://schemas.microsoft.com/office/drawing/2014/main" id="{48EF958C-A3E2-4701-B90C-09C3D47C2CBB}"/>
+              </a:ext>
+            </a:extLst>
+          </p:cNvPr>
+          <p:cNvSpPr>
+            <a:spLocks noGrp="1"/>
+          </p:cNvSpPr>
+          <p:nvPr>
+            <p:ph idx="1"/>
+          </p:nvPr>
+        </p:nvSpPr>
+        <p:spPr/>
+        <p:txBody>
+          <a:bodyPr/>
+          <a:lstStyle/>
+          <a:p>
+            <a:endParaRPr lang="en-US"/>
+          </a:p>
+        </p:txBody>
+      </p:sp>
+      <p:pic>
+        <p:nvPicPr>
+          <p:cNvPr id="1028" name="Picture 4" descr="What is an API? Application Programming Interface Defnition">
+            <a:extLst>
+              <a:ext uri="{FF2B5EF4-FFF2-40B4-BE49-F238E27FC236}">
+                <a16:creationId xmlns:a16="http://schemas.microsoft.com/office/drawing/2014/main" id="{76439EFF-A75D-890D-C479-E75BAB841F4E}"/>
+              </a:ext>
+            </a:extLst>
+          </p:cNvPr>
+          <p:cNvPicPr>
+            <a:picLocks noChangeAspect="1" noChangeArrowheads="1"/>
+          </p:cNvPicPr>
+          <p:nvPr/>
+        </p:nvPicPr>
+        <p:blipFill>
+          <a:blip r:embed="rId2">
+            <a:extLst>
+              <a:ext uri="{28A0092B-C50C-407E-A947-70E740481C1C}">
+                <a14:useLocalDpi xmlns:a14="http://schemas.microsoft.com/office/drawing/2010/main" val="0"/>
+              </a:ext>
+            </a:extLst>
+          </a:blip>
+          <a:srcRect/>
+          <a:stretch>
+            <a:fillRect/>
+          </a:stretch>
+        </p:blipFill>
+        <p:spPr bwMode="auto">
+          <a:xfrm>
+            <a:off x="2551112" y="1647511"/>
+            <a:ext cx="8991600" cy="4749800"/>
+          </a:xfrm>
+          <a:prstGeom prst="rect">
+            <a:avLst/>
+          </a:prstGeom>
+          <a:noFill/>
+          <a:extLst>
+            <a:ext uri="{909E8E84-426E-40DD-AFC4-6F175D3DCCD1}">
+              <a14:hiddenFill xmlns:a14="http://schemas.microsoft.com/office/drawing/2010/main">
+                <a:solidFill>
+                  <a:srgbClr val="FFFFFF"/>
+                </a:solidFill>
+              </a14:hiddenFill>
+            </a:ext>
+          </a:extLst>
+        </p:spPr>
+      </p:pic>
+    </p:spTree>
+    <p:extLst>
+      <p:ext uri="{BB962C8B-B14F-4D97-AF65-F5344CB8AC3E}">
+        <p14:creationId xmlns:p14="http://schemas.microsoft.com/office/powerpoint/2010/main" val="2516488655"/>
+      </p:ext>
+    </p:extLst>
+  </p:cSld>
+  <p:clrMapOvr>
+    <a:masterClrMapping/>
+  </p:clrMapOvr>
+</p:sld>
+</file>
+
+<file path=ppt/slides/slide4.xml><?xml version="1.0" encoding="utf-8"?>
+<p:sld xmlns:a="http://schemas.openxmlformats.org/drawingml/2006/main" xmlns:r="http://schemas.openxmlformats.org/officeDocument/2006/relationships" xmlns:p="http://schemas.openxmlformats.org/presentationml/2006/main">
+  <p:cSld>
+    <p:spTree>
+      <p:nvGrpSpPr>
+        <p:cNvPr id="1" name=""/>
+        <p:cNvGrpSpPr/>
+        <p:nvPr/>
+      </p:nvGrpSpPr>
+      <p:grpSpPr>
+        <a:xfrm>
+          <a:off x="0" y="0"/>
+          <a:ext cx="0" cy="0"/>
+          <a:chOff x="0" y="0"/>
+          <a:chExt cx="0" cy="0"/>
+        </a:xfrm>
+      </p:grpSpPr>
+      <p:sp>
+        <p:nvSpPr>
+          <p:cNvPr id="2" name="Title 1">
+            <a:extLst>
+              <a:ext uri="{FF2B5EF4-FFF2-40B4-BE49-F238E27FC236}">
+                <a16:creationId xmlns:a16="http://schemas.microsoft.com/office/drawing/2014/main" id="{51D8ABC4-397C-D7B1-9FE1-EE1D9172E4DE}"/>
+              </a:ext>
+            </a:extLst>
+          </p:cNvPr>
+          <p:cNvSpPr>
+            <a:spLocks noGrp="1"/>
+          </p:cNvSpPr>
+          <p:nvPr>
+            <p:ph type="title"/>
+          </p:nvPr>
+        </p:nvSpPr>
+        <p:spPr/>
+        <p:txBody>
+          <a:bodyPr/>
+          <a:lstStyle/>
+          <a:p>
+            <a:r>
+              <a:rPr lang="en-US" dirty="0"/>
+              <a:t>API Explained</a:t>
+            </a:r>
+            <a:br>
+              <a:rPr lang="en-US" dirty="0"/>
+            </a:br>
+            <a:endParaRPr lang="en-US" dirty="0"/>
+          </a:p>
+        </p:txBody>
+      </p:sp>
+      <p:pic>
+        <p:nvPicPr>
+          <p:cNvPr id="1026" name="Picture 2" descr="What is an API (Application Programming Interface) - GeeksforGeeks">
+            <a:extLst>
+              <a:ext uri="{FF2B5EF4-FFF2-40B4-BE49-F238E27FC236}">
+                <a16:creationId xmlns:a16="http://schemas.microsoft.com/office/drawing/2014/main" id="{022765AB-AF8A-4391-6A03-EA353BEABF61}"/>
+              </a:ext>
+            </a:extLst>
+          </p:cNvPr>
+          <p:cNvPicPr>
+            <a:picLocks noGrp="1" noChangeAspect="1" noChangeArrowheads="1"/>
+          </p:cNvPicPr>
+          <p:nvPr>
+            <p:ph idx="1"/>
+          </p:nvPr>
+        </p:nvPicPr>
+        <p:blipFill>
+          <a:blip r:embed="rId2">
+            <a:extLst>
+              <a:ext uri="{28A0092B-C50C-407E-A947-70E740481C1C}">
+                <a14:useLocalDpi xmlns:a14="http://schemas.microsoft.com/office/drawing/2010/main" val="0"/>
+              </a:ext>
+            </a:extLst>
+          </a:blip>
+          <a:srcRect/>
+          <a:stretch>
+            <a:fillRect/>
+          </a:stretch>
+        </p:blipFill>
+        <p:spPr bwMode="auto">
+          <a:xfrm>
+            <a:off x="2592925" y="1905000"/>
+            <a:ext cx="8741872" cy="4108680"/>
+          </a:xfrm>
+          <a:prstGeom prst="rect">
+            <a:avLst/>
+          </a:prstGeom>
+          <a:noFill/>
+          <a:extLst>
+            <a:ext uri="{909E8E84-426E-40DD-AFC4-6F175D3DCCD1}">
+              <a14:hiddenFill xmlns:a14="http://schemas.microsoft.com/office/drawing/2010/main">
+                <a:solidFill>
+                  <a:srgbClr val="FFFFFF"/>
+                </a:solidFill>
+              </a14:hiddenFill>
+            </a:ext>
+          </a:extLst>
+        </p:spPr>
+      </p:pic>
+    </p:spTree>
+    <p:extLst>
+      <p:ext uri="{BB962C8B-B14F-4D97-AF65-F5344CB8AC3E}">
+        <p14:creationId xmlns:p14="http://schemas.microsoft.com/office/powerpoint/2010/main" val="2217253642"/>
+      </p:ext>
+    </p:extLst>
+  </p:cSld>
+  <p:clrMapOvr>
+    <a:masterClrMapping/>
+  </p:clrMapOvr>
+</p:sld>
+</file>
+
+<file path=ppt/slides/slide5.xml><?xml version="1.0" encoding="utf-8"?>
+<p:sld xmlns:a="http://schemas.openxmlformats.org/drawingml/2006/main" xmlns:r="http://schemas.openxmlformats.org/officeDocument/2006/relationships" xmlns:p="http://schemas.openxmlformats.org/presentationml/2006/main">
+  <p:cSld>
+    <p:spTree>
+      <p:nvGrpSpPr>
+        <p:cNvPr id="1" name=""/>
+        <p:cNvGrpSpPr/>
+        <p:nvPr/>
+      </p:nvGrpSpPr>
+      <p:grpSpPr>
+        <a:xfrm>
+          <a:off x="0" y="0"/>
+          <a:ext cx="0" cy="0"/>
+          <a:chOff x="0" y="0"/>
+          <a:chExt cx="0" cy="0"/>
+        </a:xfrm>
+      </p:grpSpPr>
+      <p:sp>
+        <p:nvSpPr>
+          <p:cNvPr id="2" name="Title 1">
+            <a:extLst>
+              <a:ext uri="{FF2B5EF4-FFF2-40B4-BE49-F238E27FC236}">
+                <a16:creationId xmlns:a16="http://schemas.microsoft.com/office/drawing/2014/main" id="{4E76A4F7-29E9-3A83-AC69-0A620428BD92}"/>
+              </a:ext>
+            </a:extLst>
+          </p:cNvPr>
+          <p:cNvSpPr>
+            <a:spLocks noGrp="1"/>
+          </p:cNvSpPr>
+          <p:nvPr>
+            <p:ph type="title"/>
+          </p:nvPr>
+        </p:nvSpPr>
+        <p:spPr>
+          <a:xfrm>
+            <a:off x="2523066" y="324756"/>
+            <a:ext cx="9169401" cy="1280890"/>
+          </a:xfrm>
+        </p:spPr>
+        <p:txBody>
+          <a:bodyPr/>
+          <a:lstStyle/>
+          <a:p>
+            <a:r>
+              <a:rPr lang="en-US" dirty="0"/>
+              <a:t>Types of API’s</a:t>
+            </a:r>
+          </a:p>
+        </p:txBody>
+      </p:sp>
+      <p:pic>
+        <p:nvPicPr>
+          <p:cNvPr id="1028" name="Picture 4" descr="REST vs GraphQL vs gRPC. In-depth comparison of the 3 most… | by Chameera  Dulanga | Bits and Pieces">
+            <a:extLst>
+              <a:ext uri="{FF2B5EF4-FFF2-40B4-BE49-F238E27FC236}">
+                <a16:creationId xmlns:a16="http://schemas.microsoft.com/office/drawing/2014/main" id="{D0D7582B-C397-BFF2-01CB-E5D0F257F1B0}"/>
+              </a:ext>
+            </a:extLst>
+          </p:cNvPr>
+          <p:cNvPicPr>
+            <a:picLocks noChangeAspect="1" noChangeArrowheads="1"/>
+          </p:cNvPicPr>
+          <p:nvPr/>
+        </p:nvPicPr>
+        <p:blipFill>
+          <a:blip r:embed="rId2">
+            <a:extLst>
+              <a:ext uri="{28A0092B-C50C-407E-A947-70E740481C1C}">
+                <a14:useLocalDpi xmlns:a14="http://schemas.microsoft.com/office/drawing/2010/main" val="0"/>
+              </a:ext>
+            </a:extLst>
+          </a:blip>
+          <a:srcRect/>
+          <a:stretch>
+            <a:fillRect/>
+          </a:stretch>
+        </p:blipFill>
+        <p:spPr bwMode="auto">
+          <a:xfrm>
+            <a:off x="2523066" y="1238549"/>
+            <a:ext cx="8184222" cy="4910533"/>
+          </a:xfrm>
+          <a:prstGeom prst="rect">
+            <a:avLst/>
+          </a:prstGeom>
+          <a:noFill/>
+          <a:extLst>
+            <a:ext uri="{909E8E84-426E-40DD-AFC4-6F175D3DCCD1}">
+              <a14:hiddenFill xmlns:a14="http://schemas.microsoft.com/office/drawing/2010/main">
+                <a:solidFill>
+                  <a:srgbClr val="FFFFFF"/>
+                </a:solidFill>
+              </a14:hiddenFill>
+            </a:ext>
+          </a:extLst>
+        </p:spPr>
+      </p:pic>
+    </p:spTree>
+    <p:extLst>
+      <p:ext uri="{BB962C8B-B14F-4D97-AF65-F5344CB8AC3E}">
+        <p14:creationId xmlns:p14="http://schemas.microsoft.com/office/powerpoint/2010/main" val="3755696890"/>
+      </p:ext>
+    </p:extLst>
+  </p:cSld>
+  <p:clrMapOvr>
+    <a:masterClrMapping/>
+  </p:clrMapOvr>
+</p:sld>
+</file>
+
+<file path=ppt/slides/slide6.xml><?xml version="1.0" encoding="utf-8"?>
+<p:sld xmlns:a="http://schemas.openxmlformats.org/drawingml/2006/main" xmlns:r="http://schemas.openxmlformats.org/officeDocument/2006/relationships" xmlns:p="http://schemas.openxmlformats.org/presentationml/2006/main">
+  <p:cSld>
+    <p:spTree>
+      <p:nvGrpSpPr>
+        <p:cNvPr id="1" name=""/>
+        <p:cNvGrpSpPr/>
+        <p:nvPr/>
+      </p:nvGrpSpPr>
+      <p:grpSpPr>
+        <a:xfrm>
+          <a:off x="0" y="0"/>
+          <a:ext cx="0" cy="0"/>
+          <a:chOff x="0" y="0"/>
+          <a:chExt cx="0" cy="0"/>
+        </a:xfrm>
+      </p:grpSpPr>
+      <p:sp>
+        <p:nvSpPr>
+          <p:cNvPr id="2" name="Title 1">
+            <a:extLst>
+              <a:ext uri="{FF2B5EF4-FFF2-40B4-BE49-F238E27FC236}">
+                <a16:creationId xmlns:a16="http://schemas.microsoft.com/office/drawing/2014/main" id="{4E76A4F7-29E9-3A83-AC69-0A620428BD92}"/>
+              </a:ext>
+            </a:extLst>
+          </p:cNvPr>
+          <p:cNvSpPr>
+            <a:spLocks noGrp="1"/>
+          </p:cNvSpPr>
+          <p:nvPr>
+            <p:ph type="title"/>
+          </p:nvPr>
+        </p:nvSpPr>
+        <p:spPr>
+          <a:xfrm>
+            <a:off x="2523066" y="324756"/>
+            <a:ext cx="9169401" cy="1280890"/>
+          </a:xfrm>
+        </p:spPr>
+        <p:txBody>
+          <a:bodyPr/>
+          <a:lstStyle/>
+          <a:p>
+            <a:r>
+              <a:rPr lang="en-US" dirty="0"/>
+              <a:t>Differences</a:t>
+            </a:r>
+          </a:p>
+        </p:txBody>
+      </p:sp>
+      <p:pic>
+        <p:nvPicPr>
+          <p:cNvPr id="4" name="Picture 3" descr="A black screen with white text&#10;&#10;Description automatically generated">
+            <a:extLst>
+              <a:ext uri="{FF2B5EF4-FFF2-40B4-BE49-F238E27FC236}">
+                <a16:creationId xmlns:a16="http://schemas.microsoft.com/office/drawing/2014/main" id="{E2C88A27-A53B-8F8D-D2FD-D8FFE9C1DA61}"/>
+              </a:ext>
+            </a:extLst>
+          </p:cNvPr>
+          <p:cNvPicPr>
+            <a:picLocks noChangeAspect="1"/>
+          </p:cNvPicPr>
+          <p:nvPr/>
+        </p:nvPicPr>
+        <p:blipFill>
+          <a:blip r:embed="rId2"/>
+          <a:stretch>
+            <a:fillRect/>
+          </a:stretch>
+        </p:blipFill>
+        <p:spPr>
+          <a:xfrm>
+            <a:off x="2434916" y="1116588"/>
+            <a:ext cx="9130052" cy="4857492"/>
+          </a:xfrm>
+          <a:prstGeom prst="rect">
+            <a:avLst/>
+          </a:prstGeom>
+        </p:spPr>
+      </p:pic>
+    </p:spTree>
+    <p:extLst>
+      <p:ext uri="{BB962C8B-B14F-4D97-AF65-F5344CB8AC3E}">
+        <p14:creationId xmlns:p14="http://schemas.microsoft.com/office/powerpoint/2010/main" val="527068760"/>
+      </p:ext>
+    </p:extLst>
+  </p:cSld>
+  <p:clrMapOvr>
+    <a:masterClrMapping/>
+  </p:clrMapOvr>
+</p:sld>
+</file>
+
+<file path=ppt/slides/slide7.xml><?xml version="1.0" encoding="utf-8"?>
+<p:sld xmlns:a="http://schemas.openxmlformats.org/drawingml/2006/main" xmlns:r="http://schemas.openxmlformats.org/officeDocument/2006/relationships" xmlns:p="http://schemas.openxmlformats.org/presentationml/2006/main">
+  <p:cSld>
+    <p:spTree>
+      <p:nvGrpSpPr>
+        <p:cNvPr id="1" name=""/>
+        <p:cNvGrpSpPr/>
+        <p:nvPr/>
+      </p:nvGrpSpPr>
+      <p:grpSpPr>
+        <a:xfrm>
+          <a:off x="0" y="0"/>
+          <a:ext cx="0" cy="0"/>
+          <a:chOff x="0" y="0"/>
+          <a:chExt cx="0" cy="0"/>
+        </a:xfrm>
+      </p:grpSpPr>
+      <p:sp>
+        <p:nvSpPr>
+          <p:cNvPr id="2" name="Title 1">
+            <a:extLst>
+              <a:ext uri="{FF2B5EF4-FFF2-40B4-BE49-F238E27FC236}">
+                <a16:creationId xmlns:a16="http://schemas.microsoft.com/office/drawing/2014/main" id="{4E76A4F7-29E9-3A83-AC69-0A620428BD92}"/>
+              </a:ext>
+            </a:extLst>
+          </p:cNvPr>
+          <p:cNvSpPr>
+            <a:spLocks noGrp="1"/>
+          </p:cNvSpPr>
+          <p:nvPr>
+            <p:ph type="title"/>
+          </p:nvPr>
+        </p:nvSpPr>
+        <p:spPr>
+          <a:xfrm>
+            <a:off x="2523066" y="324756"/>
+            <a:ext cx="9169401" cy="1280890"/>
+          </a:xfrm>
+        </p:spPr>
+        <p:txBody>
+          <a:bodyPr>
+            <a:normAutofit/>
+          </a:bodyPr>
+          <a:lstStyle/>
+          <a:p>
+            <a:r>
+              <a:rPr lang="en-US" sz="2800" dirty="0"/>
+              <a:t>Languages used</a:t>
+            </a:r>
+          </a:p>
+        </p:txBody>
+      </p:sp>
+      <p:pic>
+        <p:nvPicPr>
+          <p:cNvPr id="2050" name="Picture 2" descr="What Is the Difference Between JSON and XML? | Nordic APIs |">
+            <a:extLst>
+              <a:ext uri="{FF2B5EF4-FFF2-40B4-BE49-F238E27FC236}">
+                <a16:creationId xmlns:a16="http://schemas.microsoft.com/office/drawing/2014/main" id="{8E6BA52C-F608-47CB-3313-1CEA1551079E}"/>
+              </a:ext>
+            </a:extLst>
+          </p:cNvPr>
+          <p:cNvPicPr>
+            <a:picLocks noChangeAspect="1" noChangeArrowheads="1"/>
+          </p:cNvPicPr>
+          <p:nvPr/>
+        </p:nvPicPr>
+        <p:blipFill>
+          <a:blip r:embed="rId2">
+            <a:extLst>
+              <a:ext uri="{28A0092B-C50C-407E-A947-70E740481C1C}">
+                <a14:useLocalDpi xmlns:a14="http://schemas.microsoft.com/office/drawing/2010/main" val="0"/>
+              </a:ext>
+            </a:extLst>
+          </a:blip>
+          <a:srcRect/>
+          <a:stretch>
+            <a:fillRect/>
+          </a:stretch>
+        </p:blipFill>
+        <p:spPr bwMode="auto">
+          <a:xfrm>
+            <a:off x="2572916" y="1335641"/>
+            <a:ext cx="7096018" cy="3991510"/>
+          </a:xfrm>
+          <a:prstGeom prst="rect">
+            <a:avLst/>
+          </a:prstGeom>
+          <a:noFill/>
+          <a:extLst>
+            <a:ext uri="{909E8E84-426E-40DD-AFC4-6F175D3DCCD1}">
+              <a14:hiddenFill xmlns:a14="http://schemas.microsoft.com/office/drawing/2010/main">
+                <a:solidFill>
+                  <a:srgbClr val="FFFFFF"/>
+                </a:solidFill>
+              </a14:hiddenFill>
+            </a:ext>
+          </a:extLst>
+        </p:spPr>
+      </p:pic>
+    </p:spTree>
+    <p:extLst>
+      <p:ext uri="{BB962C8B-B14F-4D97-AF65-F5344CB8AC3E}">
+        <p14:creationId xmlns:p14="http://schemas.microsoft.com/office/powerpoint/2010/main" val="3611465386"/>
+      </p:ext>
+    </p:extLst>
+  </p:cSld>
+  <p:clrMapOvr>
+    <a:masterClrMapping/>
+  </p:clrMapOvr>
+</p:sld>
+</file>
+
+<file path=ppt/slides/slide8.xml><?xml version="1.0" encoding="utf-8"?>
+<p:sld xmlns:a="http://schemas.openxmlformats.org/drawingml/2006/main" xmlns:r="http://schemas.openxmlformats.org/officeDocument/2006/relationships" xmlns:p="http://schemas.openxmlformats.org/presentationml/2006/main">
+  <p:cSld>
+    <p:spTree>
+      <p:nvGrpSpPr>
+        <p:cNvPr id="1" name=""/>
+        <p:cNvGrpSpPr/>
+        <p:nvPr/>
+      </p:nvGrpSpPr>
+      <p:grpSpPr>
+        <a:xfrm>
+          <a:off x="0" y="0"/>
+          <a:ext cx="0" cy="0"/>
+          <a:chOff x="0" y="0"/>
+          <a:chExt cx="0" cy="0"/>
+        </a:xfrm>
+      </p:grpSpPr>
+      <p:sp>
+        <p:nvSpPr>
+          <p:cNvPr id="2" name="Title 1">
+            <a:extLst>
+              <a:ext uri="{FF2B5EF4-FFF2-40B4-BE49-F238E27FC236}">
+                <a16:creationId xmlns:a16="http://schemas.microsoft.com/office/drawing/2014/main" id="{4E76A4F7-29E9-3A83-AC69-0A620428BD92}"/>
+              </a:ext>
+            </a:extLst>
+          </p:cNvPr>
+          <p:cNvSpPr>
+            <a:spLocks noGrp="1"/>
+          </p:cNvSpPr>
+          <p:nvPr>
+            <p:ph type="title"/>
+          </p:nvPr>
+        </p:nvSpPr>
+        <p:spPr>
+          <a:xfrm>
+            <a:off x="5219556" y="413872"/>
+            <a:ext cx="4304588" cy="869044"/>
+          </a:xfrm>
+        </p:spPr>
+        <p:txBody>
+          <a:bodyPr>
+            <a:normAutofit/>
+          </a:bodyPr>
+          <a:lstStyle/>
+          <a:p>
+            <a:r>
+              <a:rPr lang="en-US" sz="2800" dirty="0"/>
+              <a:t>Example</a:t>
+            </a:r>
+          </a:p>
+        </p:txBody>
+      </p:sp>
+      <p:pic>
+        <p:nvPicPr>
+          <p:cNvPr id="3074" name="Picture 2" descr="What is the difference between HTML vs XML vs JSON? | by Omar A | Medium">
+            <a:extLst>
+              <a:ext uri="{FF2B5EF4-FFF2-40B4-BE49-F238E27FC236}">
+                <a16:creationId xmlns:a16="http://schemas.microsoft.com/office/drawing/2014/main" id="{F510529A-5300-CCB5-D4C6-C667EEDE2EA4}"/>
+              </a:ext>
+            </a:extLst>
+          </p:cNvPr>
+          <p:cNvPicPr>
+            <a:picLocks noChangeAspect="1" noChangeArrowheads="1"/>
+          </p:cNvPicPr>
+          <p:nvPr/>
+        </p:nvPicPr>
+        <p:blipFill>
+          <a:blip r:embed="rId2">
+            <a:extLst>
+              <a:ext uri="{28A0092B-C50C-407E-A947-70E740481C1C}">
+                <a14:useLocalDpi xmlns:a14="http://schemas.microsoft.com/office/drawing/2010/main" val="0"/>
+              </a:ext>
+            </a:extLst>
+          </a:blip>
+          <a:srcRect/>
+          <a:stretch>
+            <a:fillRect/>
+          </a:stretch>
+        </p:blipFill>
+        <p:spPr bwMode="auto">
+          <a:xfrm>
+            <a:off x="3051424" y="1253618"/>
+            <a:ext cx="7070475" cy="5051932"/>
+          </a:xfrm>
+          <a:prstGeom prst="rect">
+            <a:avLst/>
+          </a:prstGeom>
+          <a:noFill/>
+          <a:extLst>
+            <a:ext uri="{909E8E84-426E-40DD-AFC4-6F175D3DCCD1}">
+              <a14:hiddenFill xmlns:a14="http://schemas.microsoft.com/office/drawing/2010/main">
+                <a:solidFill>
+                  <a:srgbClr val="FFFFFF"/>
+                </a:solidFill>
+              </a14:hiddenFill>
+            </a:ext>
+          </a:extLst>
+        </p:spPr>
+      </p:pic>
+    </p:spTree>
+    <p:extLst>
+      <p:ext uri="{BB962C8B-B14F-4D97-AF65-F5344CB8AC3E}">
+        <p14:creationId xmlns:p14="http://schemas.microsoft.com/office/powerpoint/2010/main" val="3112226514"/>
+      </p:ext>
+    </p:extLst>
+  </p:cSld>
+  <p:clrMapOvr>
+    <a:masterClrMapping/>
+  </p:clrMapOvr>
+</p:sld>
+</file>
+
 <file path=ppt/slides/slide9.xml><?xml version="1.0" encoding="utf-8"?>
 <p:sld xmlns:a="http://schemas.openxmlformats.org/drawingml/2006/main" xmlns:r="http://schemas.openxmlformats.org/officeDocument/2006/relationships" xmlns:p="http://schemas.openxmlformats.org/presentationml/2006/main">
   <p:cSld>
@@ -8678,8 +9016,8 @@
         </p:nvSpPr>
         <p:spPr>
           <a:xfrm>
-            <a:off x="5005642" y="400664"/>
-            <a:ext cx="3432679" cy="747489"/>
+            <a:off x="5624626" y="403598"/>
+            <a:ext cx="2396068" cy="869044"/>
           </a:xfrm>
         </p:spPr>
         <p:txBody>
@@ -8689,83 +9027,63 @@
           <a:lstStyle/>
           <a:p>
             <a:r>
-              <a:rPr lang="en-US" dirty="0"/>
-              <a:t>Spring </a:t>
-            </a:r>
-            <a:r>
-              <a:rPr lang="en-US" dirty="0" err="1"/>
-              <a:t>Initialzr</a:t>
-            </a:r>
-            <a:endParaRPr lang="en-US" dirty="0"/>
-          </a:p>
-        </p:txBody>
-      </p:sp>
-      <p:sp>
-        <p:nvSpPr>
-          <p:cNvPr id="3" name="TextBox 2">
+              <a:rPr lang="en-US" sz="2800" dirty="0"/>
+              <a:t>CRUD</a:t>
+            </a:r>
+          </a:p>
+        </p:txBody>
+      </p:sp>
+      <p:pic>
+        <p:nvPicPr>
+          <p:cNvPr id="4098" name="Picture 2" descr="CRUD: Definition, Operations, Benefits How it Works and More">
             <a:extLst>
               <a:ext uri="{FF2B5EF4-FFF2-40B4-BE49-F238E27FC236}">
-                <a16:creationId xmlns:a16="http://schemas.microsoft.com/office/drawing/2014/main" id="{50A6C10B-37C8-6981-A48F-A72964E64673}"/>
+                <a16:creationId xmlns:a16="http://schemas.microsoft.com/office/drawing/2014/main" id="{9CE4D13C-F1A8-653D-0763-0DF8B7CBA09C}"/>
               </a:ext>
             </a:extLst>
           </p:cNvPr>
-          <p:cNvSpPr txBox="1"/>
+          <p:cNvPicPr>
+            <a:picLocks noChangeAspect="1" noChangeArrowheads="1"/>
+          </p:cNvPicPr>
           <p:nvPr/>
-        </p:nvSpPr>
-        <p:spPr>
+        </p:nvPicPr>
+        <p:blipFill>
+          <a:blip r:embed="rId2">
+            <a:extLst>
+              <a:ext uri="{28A0092B-C50C-407E-A947-70E740481C1C}">
+                <a14:useLocalDpi xmlns:a14="http://schemas.microsoft.com/office/drawing/2010/main" val="0"/>
+              </a:ext>
+            </a:extLst>
+          </a:blip>
+          <a:srcRect/>
+          <a:stretch>
+            <a:fillRect/>
+          </a:stretch>
+        </p:blipFill>
+        <p:spPr bwMode="auto">
           <a:xfrm>
-            <a:off x="2812774" y="1868557"/>
-            <a:ext cx="6708913" cy="1200329"/>
+            <a:off x="2178121" y="1547116"/>
+            <a:ext cx="8606319" cy="4303160"/>
           </a:xfrm>
           <a:prstGeom prst="rect">
             <a:avLst/>
           </a:prstGeom>
           <a:noFill/>
+          <a:extLst>
+            <a:ext uri="{909E8E84-426E-40DD-AFC4-6F175D3DCCD1}">
+              <a14:hiddenFill xmlns:a14="http://schemas.microsoft.com/office/drawing/2010/main">
+                <a:solidFill>
+                  <a:srgbClr val="FFFFFF"/>
+                </a:solidFill>
+              </a14:hiddenFill>
+            </a:ext>
+          </a:extLst>
         </p:spPr>
-        <p:txBody>
-          <a:bodyPr wrap="square" rtlCol="0">
-            <a:spAutoFit/>
-          </a:bodyPr>
-          <a:lstStyle/>
-          <a:p>
-            <a:pPr marL="285750" indent="-285750">
-              <a:buFontTx/>
-              <a:buChar char="-"/>
-            </a:pPr>
-            <a:r>
-              <a:rPr lang="en-US" dirty="0"/>
-              <a:t>Spring Web</a:t>
-            </a:r>
-          </a:p>
-          <a:p>
-            <a:pPr marL="285750" indent="-285750">
-              <a:buFontTx/>
-              <a:buChar char="-"/>
-            </a:pPr>
-            <a:r>
-              <a:rPr lang="en-US" dirty="0"/>
-              <a:t>Spring Data JPA</a:t>
-            </a:r>
-          </a:p>
-          <a:p>
-            <a:pPr marL="285750" indent="-285750">
-              <a:buFontTx/>
-              <a:buChar char="-"/>
-            </a:pPr>
-            <a:r>
-              <a:rPr lang="en-US" dirty="0"/>
-              <a:t>H2 Database</a:t>
-            </a:r>
-          </a:p>
-          <a:p>
-            <a:endParaRPr lang="en-US" dirty="0"/>
-          </a:p>
-        </p:txBody>
-      </p:sp>
+      </p:pic>
     </p:spTree>
     <p:extLst>
       <p:ext uri="{BB962C8B-B14F-4D97-AF65-F5344CB8AC3E}">
-        <p14:creationId xmlns:p14="http://schemas.microsoft.com/office/powerpoint/2010/main" val="3572149793"/>
+        <p14:creationId xmlns:p14="http://schemas.microsoft.com/office/powerpoint/2010/main" val="634918933"/>
       </p:ext>
     </p:extLst>
   </p:cSld>
